--- a/reviews-BA/Presentation Template - Task 1.pptx
+++ b/reviews-BA/Presentation Template - Task 1.pptx
@@ -4183,7 +4183,7 @@
               <a:rPr lang="en-GB" sz="1100" dirty="0">
                 <a:hlinkClick r:id="rId5"/>
               </a:rPr>
-              <a:t>https://github.com/dasanmiguelv/supervised-machine-learning/tree/main/behaviour-buying</a:t>
+              <a:t>https://github.com/dasanmiguelv/nlp/tree/main/reviews-BA</a:t>
             </a:r>
             <a:endParaRPr lang="en-GB" sz="1100" dirty="0"/>
           </a:p>
